--- a/figures/pipeline.pdf.pptx
+++ b/figures/pipeline.pdf.pptx
@@ -243,7 +243,7 @@
           <a:p>
             <a:fld id="{A6281E63-A89B-4569-8D1B-473E0585F9D6}" type="datetimeFigureOut">
               <a:rPr lang="zh-CN" altLang="en-US" smtClean="0"/>
-              <a:t>2019/1/24</a:t>
+              <a:t>2019/1/25</a:t>
             </a:fld>
             <a:endParaRPr lang="zh-CN" altLang="en-US"/>
           </a:p>
@@ -413,7 +413,7 @@
           <a:p>
             <a:fld id="{A6281E63-A89B-4569-8D1B-473E0585F9D6}" type="datetimeFigureOut">
               <a:rPr lang="zh-CN" altLang="en-US" smtClean="0"/>
-              <a:t>2019/1/24</a:t>
+              <a:t>2019/1/25</a:t>
             </a:fld>
             <a:endParaRPr lang="zh-CN" altLang="en-US"/>
           </a:p>
@@ -593,7 +593,7 @@
           <a:p>
             <a:fld id="{A6281E63-A89B-4569-8D1B-473E0585F9D6}" type="datetimeFigureOut">
               <a:rPr lang="zh-CN" altLang="en-US" smtClean="0"/>
-              <a:t>2019/1/24</a:t>
+              <a:t>2019/1/25</a:t>
             </a:fld>
             <a:endParaRPr lang="zh-CN" altLang="en-US"/>
           </a:p>
@@ -763,7 +763,7 @@
           <a:p>
             <a:fld id="{A6281E63-A89B-4569-8D1B-473E0585F9D6}" type="datetimeFigureOut">
               <a:rPr lang="zh-CN" altLang="en-US" smtClean="0"/>
-              <a:t>2019/1/24</a:t>
+              <a:t>2019/1/25</a:t>
             </a:fld>
             <a:endParaRPr lang="zh-CN" altLang="en-US"/>
           </a:p>
@@ -1009,7 +1009,7 @@
           <a:p>
             <a:fld id="{A6281E63-A89B-4569-8D1B-473E0585F9D6}" type="datetimeFigureOut">
               <a:rPr lang="zh-CN" altLang="en-US" smtClean="0"/>
-              <a:t>2019/1/24</a:t>
+              <a:t>2019/1/25</a:t>
             </a:fld>
             <a:endParaRPr lang="zh-CN" altLang="en-US"/>
           </a:p>
@@ -1241,7 +1241,7 @@
           <a:p>
             <a:fld id="{A6281E63-A89B-4569-8D1B-473E0585F9D6}" type="datetimeFigureOut">
               <a:rPr lang="zh-CN" altLang="en-US" smtClean="0"/>
-              <a:t>2019/1/24</a:t>
+              <a:t>2019/1/25</a:t>
             </a:fld>
             <a:endParaRPr lang="zh-CN" altLang="en-US"/>
           </a:p>
@@ -1608,7 +1608,7 @@
           <a:p>
             <a:fld id="{A6281E63-A89B-4569-8D1B-473E0585F9D6}" type="datetimeFigureOut">
               <a:rPr lang="zh-CN" altLang="en-US" smtClean="0"/>
-              <a:t>2019/1/24</a:t>
+              <a:t>2019/1/25</a:t>
             </a:fld>
             <a:endParaRPr lang="zh-CN" altLang="en-US"/>
           </a:p>
@@ -1726,7 +1726,7 @@
           <a:p>
             <a:fld id="{A6281E63-A89B-4569-8D1B-473E0585F9D6}" type="datetimeFigureOut">
               <a:rPr lang="zh-CN" altLang="en-US" smtClean="0"/>
-              <a:t>2019/1/24</a:t>
+              <a:t>2019/1/25</a:t>
             </a:fld>
             <a:endParaRPr lang="zh-CN" altLang="en-US"/>
           </a:p>
@@ -1821,7 +1821,7 @@
           <a:p>
             <a:fld id="{A6281E63-A89B-4569-8D1B-473E0585F9D6}" type="datetimeFigureOut">
               <a:rPr lang="zh-CN" altLang="en-US" smtClean="0"/>
-              <a:t>2019/1/24</a:t>
+              <a:t>2019/1/25</a:t>
             </a:fld>
             <a:endParaRPr lang="zh-CN" altLang="en-US"/>
           </a:p>
@@ -2098,7 +2098,7 @@
           <a:p>
             <a:fld id="{A6281E63-A89B-4569-8D1B-473E0585F9D6}" type="datetimeFigureOut">
               <a:rPr lang="zh-CN" altLang="en-US" smtClean="0"/>
-              <a:t>2019/1/24</a:t>
+              <a:t>2019/1/25</a:t>
             </a:fld>
             <a:endParaRPr lang="zh-CN" altLang="en-US"/>
           </a:p>
@@ -2355,7 +2355,7 @@
           <a:p>
             <a:fld id="{A6281E63-A89B-4569-8D1B-473E0585F9D6}" type="datetimeFigureOut">
               <a:rPr lang="zh-CN" altLang="en-US" smtClean="0"/>
-              <a:t>2019/1/24</a:t>
+              <a:t>2019/1/25</a:t>
             </a:fld>
             <a:endParaRPr lang="zh-CN" altLang="en-US"/>
           </a:p>
@@ -2568,7 +2568,7 @@
           <a:p>
             <a:fld id="{A6281E63-A89B-4569-8D1B-473E0585F9D6}" type="datetimeFigureOut">
               <a:rPr lang="zh-CN" altLang="en-US" smtClean="0"/>
-              <a:t>2019/1/24</a:t>
+              <a:t>2019/1/25</a:t>
             </a:fld>
             <a:endParaRPr lang="zh-CN" altLang="en-US"/>
           </a:p>
@@ -4093,7 +4093,7 @@
         </p:nvSpPr>
         <p:spPr>
           <a:xfrm>
-            <a:off x="7703624" y="924400"/>
+            <a:off x="7868373" y="925652"/>
             <a:ext cx="1792943" cy="276999"/>
           </a:xfrm>
           <a:prstGeom prst="rect">
@@ -4170,7 +4170,15 @@
                   <a:schemeClr val="tx1"/>
                 </a:solidFill>
               </a:rPr>
-              <a:t>Districts Prediction</a:t>
+              <a:t>Districts </a:t>
+            </a:r>
+            <a:r>
+              <a:rPr lang="en-US" altLang="zh-CN" sz="1200" dirty="0" smtClean="0">
+                <a:solidFill>
+                  <a:schemeClr val="tx1"/>
+                </a:solidFill>
+              </a:rPr>
+              <a:t> Use Rate Prediction</a:t>
             </a:r>
             <a:endParaRPr lang="zh-CN" altLang="en-US" sz="1200" dirty="0">
               <a:solidFill>
@@ -4188,8 +4196,8 @@
         </p:nvSpPr>
         <p:spPr>
           <a:xfrm>
-            <a:off x="7527715" y="2430016"/>
-            <a:ext cx="1237131" cy="487688"/>
+            <a:off x="7534590" y="2330517"/>
+            <a:ext cx="1237131" cy="494875"/>
           </a:xfrm>
           <a:prstGeom prst="rect">
             <a:avLst/>
@@ -4235,7 +4243,23 @@
                   <a:schemeClr val="tx1"/>
                 </a:solidFill>
               </a:rPr>
-              <a:t>Time Frames Prediction</a:t>
+              <a:t>Time </a:t>
+            </a:r>
+            <a:r>
+              <a:rPr lang="en-US" altLang="zh-CN" sz="1200" dirty="0" smtClean="0">
+                <a:solidFill>
+                  <a:schemeClr val="tx1"/>
+                </a:solidFill>
+              </a:rPr>
+              <a:t>Frames Use Rate </a:t>
+            </a:r>
+            <a:r>
+              <a:rPr lang="en-US" altLang="zh-CN" sz="1200" dirty="0">
+                <a:solidFill>
+                  <a:schemeClr val="tx1"/>
+                </a:solidFill>
+              </a:rPr>
+              <a:t>Prediction</a:t>
             </a:r>
             <a:endParaRPr lang="zh-CN" altLang="en-US" sz="1200" dirty="0">
               <a:solidFill>
@@ -4363,8 +4387,8 @@
         </p:nvCxnSpPr>
         <p:spPr>
           <a:xfrm rot="10800000" flipV="1">
-            <a:off x="7413483" y="1938955"/>
-            <a:ext cx="114228" cy="788248"/>
+            <a:off x="7404465" y="1938953"/>
+            <a:ext cx="123251" cy="1263681"/>
           </a:xfrm>
           <a:prstGeom prst="bentConnector2">
             <a:avLst/>
@@ -4428,7 +4452,7 @@
         </p:nvCxnSpPr>
         <p:spPr>
           <a:xfrm>
-            <a:off x="7413483" y="2727202"/>
+            <a:off x="7404464" y="3202635"/>
             <a:ext cx="114228" cy="0"/>
           </a:xfrm>
           <a:prstGeom prst="line">
@@ -4463,7 +4487,7 @@
         </p:nvSpPr>
         <p:spPr>
           <a:xfrm rot="16200000">
-            <a:off x="7920319" y="993720"/>
+            <a:off x="8045825" y="993721"/>
             <a:ext cx="218839" cy="824756"/>
           </a:xfrm>
           <a:prstGeom prst="rightBrace">
@@ -4741,8 +4765,8 @@
         </p:nvCxnSpPr>
         <p:spPr>
           <a:xfrm>
-            <a:off x="8764845" y="1938955"/>
-            <a:ext cx="114043" cy="788248"/>
+            <a:off x="8764846" y="1938954"/>
+            <a:ext cx="114041" cy="1271670"/>
           </a:xfrm>
           <a:prstGeom prst="bentConnector2">
             <a:avLst/>
@@ -4776,7 +4800,7 @@
         </p:nvCxnSpPr>
         <p:spPr>
           <a:xfrm flipH="1">
-            <a:off x="8764845" y="2736168"/>
+            <a:off x="8764844" y="3202634"/>
             <a:ext cx="114043" cy="0"/>
           </a:xfrm>
           <a:prstGeom prst="line">
@@ -5283,6 +5307,71 @@
           </a:fontRef>
         </p:style>
       </p:cxnSp>
+      <p:sp>
+        <p:nvSpPr>
+          <p:cNvPr id="53" name="矩形 52"/>
+          <p:cNvSpPr/>
+          <p:nvPr/>
+        </p:nvSpPr>
+        <p:spPr>
+          <a:xfrm>
+            <a:off x="7527713" y="2934545"/>
+            <a:ext cx="1237131" cy="487688"/>
+          </a:xfrm>
+          <a:prstGeom prst="rect">
+            <a:avLst/>
+          </a:prstGeom>
+          <a:solidFill>
+            <a:schemeClr val="bg1"/>
+          </a:solidFill>
+          <a:ln>
+            <a:solidFill>
+              <a:schemeClr val="tx1"/>
+            </a:solidFill>
+          </a:ln>
+        </p:spPr>
+        <p:style>
+          <a:lnRef idx="2">
+            <a:schemeClr val="accent1">
+              <a:shade val="50000"/>
+            </a:schemeClr>
+          </a:lnRef>
+          <a:fillRef idx="1">
+            <a:schemeClr val="accent1"/>
+          </a:fillRef>
+          <a:effectRef idx="0">
+            <a:schemeClr val="accent1"/>
+          </a:effectRef>
+          <a:fontRef idx="minor">
+            <a:schemeClr val="lt1"/>
+          </a:fontRef>
+        </p:style>
+        <p:txBody>
+          <a:bodyPr rot="0" spcFirstLastPara="0" vertOverflow="overflow" horzOverflow="overflow" vert="horz" wrap="square" lIns="91440" tIns="45720" rIns="91440" bIns="45720" numCol="1" spcCol="0" rtlCol="0" fromWordArt="0" anchor="ctr" anchorCtr="0" forceAA="0" compatLnSpc="1">
+            <a:prstTxWarp prst="textNoShape">
+              <a:avLst/>
+            </a:prstTxWarp>
+            <a:noAutofit/>
+          </a:bodyPr>
+          <a:lstStyle/>
+          <a:p>
+            <a:pPr algn="ctr"/>
+            <a:r>
+              <a:rPr lang="en-US" altLang="zh-CN" sz="1200" dirty="0" smtClean="0">
+                <a:solidFill>
+                  <a:schemeClr val="tx1"/>
+                </a:solidFill>
+              </a:rPr>
+              <a:t>Use Rate Classification</a:t>
+            </a:r>
+            <a:endParaRPr lang="zh-CN" altLang="en-US" sz="1200" dirty="0">
+              <a:solidFill>
+                <a:schemeClr val="tx1"/>
+              </a:solidFill>
+            </a:endParaRPr>
+          </a:p>
+        </p:txBody>
+      </p:sp>
     </p:spTree>
     <p:extLst>
       <p:ext uri="{BB962C8B-B14F-4D97-AF65-F5344CB8AC3E}">
